--- a/Documentation and Presentation/TVShow Crud Project.pptx
+++ b/Documentation and Presentation/TVShow Crud Project.pptx
@@ -11050,7 +11050,7 @@
         </p:nvSpPr>
         <p:spPr>
           <a:xfrm>
-            <a:off x="846300" y="1545300"/>
+            <a:off x="730275" y="1545300"/>
             <a:ext cx="7038900" cy="2911200"/>
           </a:xfrm>
           <a:prstGeom prst="rect">
@@ -11059,11 +11059,14 @@
         </p:spPr>
         <p:txBody>
           <a:bodyPr anchorCtr="0" anchor="t" bIns="91425" lIns="91425" spcFirstLastPara="1" rIns="91425" wrap="square" tIns="91425">
-            <a:normAutofit fontScale="70000" lnSpcReduction="10000"/>
+            <a:normAutofit fontScale="62500" lnSpcReduction="10000"/>
           </a:bodyPr>
           <a:lstStyle/>
           <a:p>
-            <a:pPr indent="-317500" lvl="0" marL="457200" rtl="0" algn="l">
+            <a:pPr indent="-336323" lvl="0" marL="457200" rtl="0" algn="l">
+              <a:lnSpc>
+                <a:spcPct val="100000"/>
+              </a:lnSpc>
               <a:spcBef>
                 <a:spcPts val="0"/>
               </a:spcBef>
@@ -11074,13 +11077,16 @@
               <a:buChar char="●"/>
             </a:pPr>
             <a:r>
-              <a:rPr lang="en" sz="2000"/>
+              <a:rPr lang="en" sz="2714"/>
               <a:t>Jira</a:t>
             </a:r>
-            <a:endParaRPr sz="2000"/>
+            <a:endParaRPr sz="2714"/>
           </a:p>
           <a:p>
             <a:pPr indent="0" lvl="0" marL="0" rtl="0" algn="l">
+              <a:lnSpc>
+                <a:spcPct val="100000"/>
+              </a:lnSpc>
               <a:spcBef>
                 <a:spcPts val="1200"/>
               </a:spcBef>
@@ -11092,10 +11098,13 @@
             <a:r>
               <a:t/>
             </a:r>
-            <a:endParaRPr sz="2000"/>
+            <a:endParaRPr sz="2714"/>
           </a:p>
           <a:p>
             <a:pPr indent="0" lvl="0" marL="0" rtl="0" algn="l">
+              <a:lnSpc>
+                <a:spcPct val="100000"/>
+              </a:lnSpc>
               <a:spcBef>
                 <a:spcPts val="1200"/>
               </a:spcBef>
@@ -11107,10 +11116,10 @@
             <a:r>
               <a:t/>
             </a:r>
-            <a:endParaRPr sz="2000"/>
+            <a:endParaRPr sz="2714"/>
           </a:p>
           <a:p>
-            <a:pPr indent="-317500" lvl="0" marL="457200" rtl="0" algn="l">
+            <a:pPr indent="-336323" lvl="0" marL="457200" rtl="0" algn="l">
               <a:lnSpc>
                 <a:spcPct val="100000"/>
               </a:lnSpc>
@@ -11124,10 +11133,10 @@
               <a:buChar char="●"/>
             </a:pPr>
             <a:r>
-              <a:rPr lang="en" sz="2000"/>
+              <a:rPr lang="en" sz="2714"/>
               <a:t>Plan for </a:t>
             </a:r>
-            <a:endParaRPr sz="2000"/>
+            <a:endParaRPr sz="2714"/>
           </a:p>
           <a:p>
             <a:pPr indent="0" lvl="0" marL="457200" rtl="0" algn="l">
@@ -11143,10 +11152,10 @@
               <a:buNone/>
             </a:pPr>
             <a:r>
-              <a:rPr lang="en" sz="2000"/>
+              <a:rPr lang="en" sz="2714"/>
               <a:t>Software Coding</a:t>
             </a:r>
-            <a:endParaRPr sz="2000"/>
+            <a:endParaRPr sz="2714"/>
           </a:p>
           <a:p>
             <a:pPr indent="0" lvl="0" marL="0" rtl="0" algn="l">
@@ -11211,8 +11220,8 @@
         </p:blipFill>
         <p:spPr>
           <a:xfrm>
-            <a:off x="2756200" y="1414225"/>
-            <a:ext cx="6319025" cy="3042274"/>
+            <a:off x="3106725" y="1379325"/>
+            <a:ext cx="5968500" cy="3077174"/>
           </a:xfrm>
           <a:prstGeom prst="rect">
             <a:avLst/>
@@ -11523,7 +11532,7 @@
             </a:pPr>
             <a:r>
               <a:rPr lang="en" sz="2700"/>
-              <a:t>Mockito</a:t>
+              <a:t>Unit</a:t>
             </a:r>
             <a:endParaRPr sz="2700"/>
           </a:p>
@@ -11543,7 +11552,7 @@
             </a:pPr>
             <a:r>
               <a:rPr lang="en" sz="2700"/>
-              <a:t>MockMVC</a:t>
+              <a:t>Integration</a:t>
             </a:r>
             <a:endParaRPr sz="2700"/>
           </a:p>
@@ -11589,8 +11598,8 @@
         </p:blipFill>
         <p:spPr>
           <a:xfrm>
-            <a:off x="4357150" y="859050"/>
-            <a:ext cx="4112225" cy="3790201"/>
+            <a:off x="4150900" y="665700"/>
+            <a:ext cx="4859900" cy="4027825"/>
           </a:xfrm>
           <a:prstGeom prst="rect">
             <a:avLst/>
